--- a/以太坊教程/4_1_以太坊账户与合约 .pptx
+++ b/以太坊教程/4_1_以太坊账户与合约 .pptx
@@ -8432,25 +8432,18 @@
               <a:buNone/>
             </a:pPr>
             <a:r>
+              <a:rPr lang="zh-CN" altLang="en-US" dirty="0">
+                <a:latin typeface="微软雅黑 Light" pitchFamily="34" charset="-122"/>
+                <a:ea typeface="微软雅黑 Light" pitchFamily="34" charset="-122"/>
+              </a:rPr>
+              <a:t>内</a:t>
+            </a:r>
+            <a:r>
               <a:rPr lang="zh-CN" altLang="en-US" dirty="0" smtClean="0">
                 <a:latin typeface="微软雅黑 Light" pitchFamily="34" charset="-122"/>
                 <a:ea typeface="微软雅黑 Light" pitchFamily="34" charset="-122"/>
               </a:rPr>
-              <a:t>外部账户（用户账户</a:t>
-            </a:r>
-            <a:r>
-              <a:rPr lang="en-US" altLang="zh-CN" dirty="0" smtClean="0">
-                <a:latin typeface="微软雅黑 Light" pitchFamily="34" charset="-122"/>
-                <a:ea typeface="微软雅黑 Light" pitchFamily="34" charset="-122"/>
-              </a:rPr>
-              <a:t>/</a:t>
-            </a:r>
-            <a:r>
-              <a:rPr lang="zh-CN" altLang="en-US" dirty="0" smtClean="0">
-                <a:latin typeface="微软雅黑 Light" pitchFamily="34" charset="-122"/>
-                <a:ea typeface="微软雅黑 Light" pitchFamily="34" charset="-122"/>
-              </a:rPr>
-              <a:t>普通账户）</a:t>
+              <a:t>部账户</a:t>
             </a:r>
             <a:endParaRPr lang="en-US" altLang="zh-CN" dirty="0" smtClean="0">
               <a:latin typeface="微软雅黑 Light" pitchFamily="34" charset="-122"/>
